--- a/documents/Ablauf.pptx
+++ b/documents/Ablauf.pptx
@@ -104,6 +104,11 @@
       </a:defRPr>
     </a:lvl9pPr>
   </p:defaultTextStyle>
+  <p:extLst>
+    <p:ext uri="{EFAFB233-063F-42B5-8137-9DF3F51BA10A}">
+      <p15:sldGuideLst xmlns:p15="http://schemas.microsoft.com/office/powerpoint/2012/main"/>
+    </p:ext>
+  </p:extLst>
 </p:presentation>
 </file>
 
@@ -238,7 +243,7 @@
           <a:p>
             <a:fld id="{F6A06DF8-040D-41B1-A50F-8DD28D5C3D12}" type="datetimeFigureOut">
               <a:rPr lang="de-DE" smtClean="0"/>
-              <a:t>17.04.2023</a:t>
+              <a:t>12.05.2023</a:t>
             </a:fld>
             <a:endParaRPr lang="de-DE"/>
           </a:p>
@@ -408,7 +413,7 @@
           <a:p>
             <a:fld id="{F6A06DF8-040D-41B1-A50F-8DD28D5C3D12}" type="datetimeFigureOut">
               <a:rPr lang="de-DE" smtClean="0"/>
-              <a:t>17.04.2023</a:t>
+              <a:t>12.05.2023</a:t>
             </a:fld>
             <a:endParaRPr lang="de-DE"/>
           </a:p>
@@ -588,7 +593,7 @@
           <a:p>
             <a:fld id="{F6A06DF8-040D-41B1-A50F-8DD28D5C3D12}" type="datetimeFigureOut">
               <a:rPr lang="de-DE" smtClean="0"/>
-              <a:t>17.04.2023</a:t>
+              <a:t>12.05.2023</a:t>
             </a:fld>
             <a:endParaRPr lang="de-DE"/>
           </a:p>
@@ -758,7 +763,7 @@
           <a:p>
             <a:fld id="{F6A06DF8-040D-41B1-A50F-8DD28D5C3D12}" type="datetimeFigureOut">
               <a:rPr lang="de-DE" smtClean="0"/>
-              <a:t>17.04.2023</a:t>
+              <a:t>12.05.2023</a:t>
             </a:fld>
             <a:endParaRPr lang="de-DE"/>
           </a:p>
@@ -1004,7 +1009,7 @@
           <a:p>
             <a:fld id="{F6A06DF8-040D-41B1-A50F-8DD28D5C3D12}" type="datetimeFigureOut">
               <a:rPr lang="de-DE" smtClean="0"/>
-              <a:t>17.04.2023</a:t>
+              <a:t>12.05.2023</a:t>
             </a:fld>
             <a:endParaRPr lang="de-DE"/>
           </a:p>
@@ -1236,7 +1241,7 @@
           <a:p>
             <a:fld id="{F6A06DF8-040D-41B1-A50F-8DD28D5C3D12}" type="datetimeFigureOut">
               <a:rPr lang="de-DE" smtClean="0"/>
-              <a:t>17.04.2023</a:t>
+              <a:t>12.05.2023</a:t>
             </a:fld>
             <a:endParaRPr lang="de-DE"/>
           </a:p>
@@ -1603,7 +1608,7 @@
           <a:p>
             <a:fld id="{F6A06DF8-040D-41B1-A50F-8DD28D5C3D12}" type="datetimeFigureOut">
               <a:rPr lang="de-DE" smtClean="0"/>
-              <a:t>17.04.2023</a:t>
+              <a:t>12.05.2023</a:t>
             </a:fld>
             <a:endParaRPr lang="de-DE"/>
           </a:p>
@@ -1721,7 +1726,7 @@
           <a:p>
             <a:fld id="{F6A06DF8-040D-41B1-A50F-8DD28D5C3D12}" type="datetimeFigureOut">
               <a:rPr lang="de-DE" smtClean="0"/>
-              <a:t>17.04.2023</a:t>
+              <a:t>12.05.2023</a:t>
             </a:fld>
             <a:endParaRPr lang="de-DE"/>
           </a:p>
@@ -1816,7 +1821,7 @@
           <a:p>
             <a:fld id="{F6A06DF8-040D-41B1-A50F-8DD28D5C3D12}" type="datetimeFigureOut">
               <a:rPr lang="de-DE" smtClean="0"/>
-              <a:t>17.04.2023</a:t>
+              <a:t>12.05.2023</a:t>
             </a:fld>
             <a:endParaRPr lang="de-DE"/>
           </a:p>
@@ -2093,7 +2098,7 @@
           <a:p>
             <a:fld id="{F6A06DF8-040D-41B1-A50F-8DD28D5C3D12}" type="datetimeFigureOut">
               <a:rPr lang="de-DE" smtClean="0"/>
-              <a:t>17.04.2023</a:t>
+              <a:t>12.05.2023</a:t>
             </a:fld>
             <a:endParaRPr lang="de-DE"/>
           </a:p>
@@ -2346,7 +2351,7 @@
           <a:p>
             <a:fld id="{F6A06DF8-040D-41B1-A50F-8DD28D5C3D12}" type="datetimeFigureOut">
               <a:rPr lang="de-DE" smtClean="0"/>
-              <a:t>17.04.2023</a:t>
+              <a:t>12.05.2023</a:t>
             </a:fld>
             <a:endParaRPr lang="de-DE"/>
           </a:p>
@@ -2559,7 +2564,7 @@
           <a:p>
             <a:fld id="{F6A06DF8-040D-41B1-A50F-8DD28D5C3D12}" type="datetimeFigureOut">
               <a:rPr lang="de-DE" smtClean="0"/>
-              <a:t>17.04.2023</a:t>
+              <a:t>12.05.2023</a:t>
             </a:fld>
             <a:endParaRPr lang="de-DE"/>
           </a:p>
@@ -2972,8 +2977,8 @@
         </p:nvCxnSpPr>
         <p:spPr>
           <a:xfrm>
-            <a:off x="9848850" y="1449649"/>
-            <a:ext cx="1304925" cy="1"/>
+            <a:off x="10663843" y="1449649"/>
+            <a:ext cx="591590" cy="0"/>
           </a:xfrm>
           <a:prstGeom prst="straightConnector1">
             <a:avLst/>
@@ -3014,6 +3019,7 @@
           <a:prstGeom prst="flowChartMagneticDrum">
             <a:avLst/>
           </a:prstGeom>
+          <a:noFill/>
         </p:spPr>
         <p:style>
           <a:lnRef idx="2">
@@ -3048,8 +3054,8 @@
         </p:nvSpPr>
         <p:spPr>
           <a:xfrm>
-            <a:off x="1658951" y="580846"/>
-            <a:ext cx="1492396" cy="369332"/>
+            <a:off x="2030867" y="1280372"/>
+            <a:ext cx="1347228" cy="338554"/>
           </a:xfrm>
           <a:prstGeom prst="rect">
             <a:avLst/>
@@ -3063,10 +3069,10 @@
           <a:lstStyle/>
           <a:p>
             <a:r>
-              <a:rPr lang="de-DE" dirty="0" err="1" smtClean="0"/>
+              <a:rPr lang="de-DE" sz="1600" dirty="0" smtClean="0"/>
               <a:t>Preprocessing</a:t>
             </a:r>
-            <a:endParaRPr lang="de-DE" dirty="0"/>
+            <a:endParaRPr lang="de-DE" sz="1600" dirty="0"/>
           </a:p>
         </p:txBody>
       </p:sp>
@@ -3078,12 +3084,13 @@
         </p:nvSpPr>
         <p:spPr>
           <a:xfrm rot="10800000">
-            <a:off x="4754469" y="1129487"/>
-            <a:ext cx="2177935" cy="681643"/>
+            <a:off x="4300275" y="1129486"/>
+            <a:ext cx="2839624" cy="681643"/>
           </a:xfrm>
           <a:prstGeom prst="flowChartMagneticDrum">
             <a:avLst/>
           </a:prstGeom>
+          <a:noFill/>
         </p:spPr>
         <p:style>
           <a:lnRef idx="2">
@@ -3118,8 +3125,8 @@
         </p:nvSpPr>
         <p:spPr>
           <a:xfrm>
-            <a:off x="4767917" y="580846"/>
-            <a:ext cx="2151038" cy="369332"/>
+            <a:off x="5252615" y="1300781"/>
+            <a:ext cx="1930208" cy="338554"/>
           </a:xfrm>
           <a:prstGeom prst="rect">
             <a:avLst/>
@@ -3133,10 +3140,10 @@
           <a:lstStyle/>
           <a:p>
             <a:r>
-              <a:rPr lang="de-DE" dirty="0" smtClean="0"/>
+              <a:rPr lang="de-DE" sz="1600" dirty="0" smtClean="0"/>
               <a:t>Grobe Klassifizierung</a:t>
             </a:r>
-            <a:endParaRPr lang="de-DE" dirty="0"/>
+            <a:endParaRPr lang="de-DE" sz="1600" dirty="0"/>
           </a:p>
         </p:txBody>
       </p:sp>
@@ -3148,12 +3155,13 @@
         </p:nvSpPr>
         <p:spPr>
           <a:xfrm rot="10800000">
-            <a:off x="8485908" y="1129487"/>
-            <a:ext cx="2177935" cy="681643"/>
+            <a:off x="7838901" y="1129486"/>
+            <a:ext cx="2824941" cy="681643"/>
           </a:xfrm>
           <a:prstGeom prst="flowChartMagneticDrum">
             <a:avLst/>
           </a:prstGeom>
+          <a:noFill/>
         </p:spPr>
         <p:style>
           <a:lnRef idx="2">
@@ -3188,8 +3196,8 @@
         </p:nvSpPr>
         <p:spPr>
           <a:xfrm>
-            <a:off x="8553084" y="580846"/>
-            <a:ext cx="2113335" cy="369332"/>
+            <a:off x="8766399" y="1295761"/>
+            <a:ext cx="1897443" cy="338554"/>
           </a:xfrm>
           <a:prstGeom prst="rect">
             <a:avLst/>
@@ -3203,10 +3211,10 @@
           <a:lstStyle/>
           <a:p>
             <a:r>
-              <a:rPr lang="de-DE" dirty="0" smtClean="0"/>
+              <a:rPr lang="de-DE" sz="1600" dirty="0" smtClean="0"/>
               <a:t>Feine Strukturierung</a:t>
             </a:r>
-            <a:endParaRPr lang="de-DE" dirty="0"/>
+            <a:endParaRPr lang="de-DE" sz="1600" dirty="0"/>
           </a:p>
         </p:txBody>
       </p:sp>
@@ -3323,9 +3331,9 @@
           <p:nvPr/>
         </p:nvCxnSpPr>
         <p:spPr>
-          <a:xfrm>
-            <a:off x="3494117" y="1470307"/>
-            <a:ext cx="1658908" cy="0"/>
+          <a:xfrm flipV="1">
+            <a:off x="3494117" y="1465038"/>
+            <a:ext cx="1285701" cy="5269"/>
           </a:xfrm>
           <a:prstGeom prst="line">
             <a:avLst/>
@@ -3360,9 +3368,9 @@
           <p:nvPr/>
         </p:nvCxnSpPr>
         <p:spPr>
-          <a:xfrm>
-            <a:off x="6932404" y="1470308"/>
-            <a:ext cx="1887746" cy="0"/>
+          <a:xfrm flipV="1">
+            <a:off x="7139899" y="1465038"/>
+            <a:ext cx="1169799" cy="5269"/>
           </a:xfrm>
           <a:prstGeom prst="line">
             <a:avLst/>
@@ -3472,56 +3480,31 @@
           <a:p>
             <a:r>
               <a:rPr lang="de-DE" dirty="0" smtClean="0"/>
-              <a:t>-&gt; </a:t>
-            </a:r>
+              <a:t>-&gt; Beton 				-&gt; Mineralisch</a:t>
+            </a:r>
+          </a:p>
+          <a:p>
             <a:r>
               <a:rPr lang="de-DE" dirty="0" smtClean="0"/>
-              <a:t>Beton 				-&gt; Mineralisch</a:t>
+              <a:t>-&gt; Holz Birke 			-&gt; Holz</a:t>
             </a:r>
           </a:p>
           <a:p>
             <a:r>
               <a:rPr lang="de-DE" dirty="0" smtClean="0"/>
-              <a:t>-&gt; </a:t>
-            </a:r>
+              <a:t>-&gt; Mauerwerk Ziegel		-&gt; Mineralisch</a:t>
+            </a:r>
+          </a:p>
+          <a:p>
             <a:r>
               <a:rPr lang="de-DE" dirty="0" smtClean="0"/>
-              <a:t>Holz Birke 			-&gt; Holz</a:t>
+              <a:t>-&gt; Stahl 				-&gt; Metall</a:t>
             </a:r>
           </a:p>
           <a:p>
             <a:r>
               <a:rPr lang="de-DE" dirty="0" smtClean="0"/>
-              <a:t>-&gt; </a:t>
-            </a:r>
-            <a:r>
-              <a:rPr lang="de-DE" dirty="0" smtClean="0"/>
-              <a:t>Mauerwerk Ziegel		</a:t>
-            </a:r>
-            <a:r>
-              <a:rPr lang="de-DE" dirty="0" smtClean="0"/>
-              <a:t>-&gt; Mineralisch</a:t>
-            </a:r>
-            <a:endParaRPr lang="de-DE" dirty="0" smtClean="0"/>
-          </a:p>
-          <a:p>
-            <a:r>
-              <a:rPr lang="de-DE" dirty="0" smtClean="0"/>
-              <a:t>-&gt; </a:t>
-            </a:r>
-            <a:r>
-              <a:rPr lang="de-DE" dirty="0" smtClean="0"/>
-              <a:t>Stahl 				-&gt; Metall</a:t>
-            </a:r>
-          </a:p>
-          <a:p>
-            <a:r>
-              <a:rPr lang="de-DE" dirty="0" smtClean="0"/>
-              <a:t>-&gt; Granitplatte</a:t>
-            </a:r>
-            <a:r>
-              <a:rPr lang="de-DE" dirty="0" smtClean="0"/>
-              <a:t> </a:t>
+              <a:t>-&gt; Granitplatte </a:t>
             </a:r>
             <a:r>
               <a:rPr lang="de-DE" dirty="0"/>
@@ -3529,26 +3512,13 @@
             </a:r>
             <a:r>
               <a:rPr lang="de-DE" dirty="0" smtClean="0"/>
-              <a:t>		</a:t>
-            </a:r>
+              <a:t>		-&gt; Mineralisch</a:t>
+            </a:r>
+          </a:p>
+          <a:p>
             <a:r>
               <a:rPr lang="de-DE" dirty="0" smtClean="0"/>
-              <a:t>-&gt; Mineralisch</a:t>
-            </a:r>
-            <a:endParaRPr lang="de-DE" dirty="0" smtClean="0"/>
-          </a:p>
-          <a:p>
-            <a:r>
-              <a:rPr lang="de-DE" dirty="0" smtClean="0"/>
-              <a:t>-&gt; </a:t>
-            </a:r>
-            <a:r>
-              <a:rPr lang="de-DE" dirty="0" smtClean="0"/>
-              <a:t>Mauerwerk Porenbeton</a:t>
-            </a:r>
-            <a:r>
-              <a:rPr lang="de-DE" dirty="0" smtClean="0"/>
-              <a:t> 		-&gt; Mineralisch</a:t>
+              <a:t>-&gt; Mauerwerk Porenbeton 		-&gt; Mineralisch</a:t>
             </a:r>
             <a:endParaRPr lang="de-DE" dirty="0"/>
           </a:p>
@@ -3584,22 +3554,13 @@
           <a:p>
             <a:r>
               <a:rPr lang="de-DE" dirty="0" smtClean="0"/>
-              <a:t>Mauerwerk Ziegel 	        </a:t>
-            </a:r>
+              <a:t>Mauerwerk Ziegel 	        -&gt; 0</a:t>
+            </a:r>
+          </a:p>
+          <a:p>
             <a:r>
               <a:rPr lang="de-DE" dirty="0" smtClean="0"/>
-              <a:t>-&gt; 0</a:t>
-            </a:r>
-            <a:endParaRPr lang="de-DE" dirty="0" smtClean="0"/>
-          </a:p>
-          <a:p>
-            <a:r>
-              <a:rPr lang="de-DE" dirty="0" smtClean="0"/>
-              <a:t>Granitplatte</a:t>
-            </a:r>
-            <a:r>
-              <a:rPr lang="de-DE" dirty="0" smtClean="0"/>
-              <a:t>	</a:t>
+              <a:t>Granitplatte	</a:t>
             </a:r>
             <a:r>
               <a:rPr lang="de-DE" dirty="0"/>
@@ -3607,22 +3568,13 @@
             </a:r>
             <a:r>
               <a:rPr lang="de-DE" dirty="0" smtClean="0"/>
-              <a:t>       </a:t>
-            </a:r>
+              <a:t>       -&gt; -1</a:t>
+            </a:r>
+          </a:p>
+          <a:p>
             <a:r>
               <a:rPr lang="de-DE" dirty="0" smtClean="0"/>
-              <a:t>-&gt; -1</a:t>
-            </a:r>
-            <a:endParaRPr lang="de-DE" dirty="0" smtClean="0"/>
-          </a:p>
-          <a:p>
-            <a:r>
-              <a:rPr lang="de-DE" dirty="0" smtClean="0"/>
-              <a:t>Mauerwerk Porenbeton</a:t>
-            </a:r>
-            <a:r>
-              <a:rPr lang="de-DE" dirty="0" smtClean="0"/>
-              <a:t> -&gt; 0</a:t>
+              <a:t>Mauerwerk Porenbeton -&gt; 0</a:t>
             </a:r>
             <a:endParaRPr lang="de-DE" dirty="0"/>
           </a:p>
